--- a/2025-Q4/Promises5/2025-11-02-Promises5.pptx
+++ b/2025-Q4/Promises5/2025-11-02-Promises5.pptx
@@ -3544,19 +3544,7 @@
                 <a:ea typeface="ＭＳ Ｐゴシック" pitchFamily="-106" charset="-128"/>
                 <a:cs typeface="ＭＳ Ｐゴシック" pitchFamily="-106" charset="-128"/>
               </a:rPr>
-              <a:t> Jesus is the Son of David whose kingdom has no </a:t>
-            </a:r>
-            <a:r>
-              <a:rPr lang="en-US" sz="1200" kern="1200" dirty="0">
-                <a:solidFill>
-                  <a:schemeClr val="tx1"/>
-                </a:solidFill>
-                <a:effectLst/>
-                <a:latin typeface="+mn-lt"/>
-                <a:ea typeface="ＭＳ Ｐゴシック" pitchFamily="-106" charset="-128"/>
-                <a:cs typeface="ＭＳ Ｐゴシック" pitchFamily="-106" charset="-128"/>
-              </a:rPr>
-              <a:t>end (Luke 1:32–33).</a:t>
+              <a:t> Jesus is the Son of David whose kingdom has no end (Luke 1:32–33).</a:t>
             </a:r>
           </a:p>
           <a:p>
